--- a/Training Materials/4. Spring Boot/Slides/8.Testing with Spring Boot/testing-with-spring-boot-slides.pptx
+++ b/Training Materials/4. Spring Boot/Slides/8.Testing with Spring Boot/testing-with-spring-boot-slides.pptx
@@ -5,26 +5,26 @@
     <p:sldMasterId id="2147483648" r:id="rId1"/>
   </p:sldMasterIdLst>
   <p:notesMasterIdLst>
-    <p:notesMasterId r:id="rId20"/>
+    <p:notesMasterId r:id="rId19"/>
   </p:notesMasterIdLst>
   <p:sldIdLst>
-    <p:sldId id="256" r:id="rId3"/>
-    <p:sldId id="257" r:id="rId4"/>
-    <p:sldId id="258" r:id="rId5"/>
-    <p:sldId id="259" r:id="rId6"/>
-    <p:sldId id="260" r:id="rId7"/>
-    <p:sldId id="261" r:id="rId8"/>
-    <p:sldId id="262" r:id="rId9"/>
-    <p:sldId id="263" r:id="rId10"/>
-    <p:sldId id="264" r:id="rId11"/>
-    <p:sldId id="265" r:id="rId12"/>
-    <p:sldId id="266" r:id="rId13"/>
-    <p:sldId id="267" r:id="rId14"/>
-    <p:sldId id="268" r:id="rId15"/>
-    <p:sldId id="269" r:id="rId16"/>
-    <p:sldId id="270" r:id="rId17"/>
-    <p:sldId id="271" r:id="rId18"/>
-    <p:sldId id="272" r:id="rId19"/>
+    <p:sldId id="256" r:id="rId2"/>
+    <p:sldId id="257" r:id="rId3"/>
+    <p:sldId id="258" r:id="rId4"/>
+    <p:sldId id="259" r:id="rId5"/>
+    <p:sldId id="260" r:id="rId6"/>
+    <p:sldId id="261" r:id="rId7"/>
+    <p:sldId id="262" r:id="rId8"/>
+    <p:sldId id="263" r:id="rId9"/>
+    <p:sldId id="264" r:id="rId10"/>
+    <p:sldId id="265" r:id="rId11"/>
+    <p:sldId id="266" r:id="rId12"/>
+    <p:sldId id="267" r:id="rId13"/>
+    <p:sldId id="268" r:id="rId14"/>
+    <p:sldId id="269" r:id="rId15"/>
+    <p:sldId id="270" r:id="rId16"/>
+    <p:sldId id="271" r:id="rId17"/>
+    <p:sldId id="272" r:id="rId18"/>
   </p:sldIdLst>
   <p:sldSz cx="12192000" cy="6858000"/>
   <p:notesSz cx="12192000" cy="6858000"/>
@@ -139,6 +139,14 @@
 </p:presentation>
 </file>
 
+<file path=ppt/revisionInfo.xml><?xml version="1.0" encoding="utf-8"?>
+<p1510:revInfo xmlns:a="http://schemas.openxmlformats.org/drawingml/2006/main" xmlns:r="http://schemas.openxmlformats.org/officeDocument/2006/relationships" xmlns:p1510="http://schemas.microsoft.com/office/powerpoint/2015/10/main">
+  <p1510:revLst>
+    <p1510:client id="{2C0A5E75-71D9-2D7A-4B98-D64097FA9973}" v="7" dt="2025-09-02T16:30:08.176"/>
+  </p1510:revLst>
+</p1510:revInfo>
+</file>
+
 <file path=ppt/notesMasters/notesMaster1.xml><?xml version="1.0" encoding="utf-8"?>
 <p:notesMaster xmlns:a="http://schemas.openxmlformats.org/drawingml/2006/main" xmlns:r="http://schemas.openxmlformats.org/officeDocument/2006/relationships" xmlns:p="http://schemas.openxmlformats.org/presentationml/2006/main">
   <p:cSld>
@@ -221,6 +229,7 @@
           <a:p>
             <a:fld id="{3EFD42F7-718C-4B98-AAEC-167E6DDD60A7}" type="datetimeFigureOut">
               <a:rPr lang="en-US" smtClean="0"/>
+              <a:t>9/2/2025</a:t>
             </a:fld>
             <a:endParaRPr lang="en-US"/>
           </a:p>
@@ -284,42 +293,37 @@
           <a:p>
             <a:pPr lvl="0"/>
             <a:r>
-              <a:rPr lang="en-US" smtClean="0"/>
+              <a:rPr lang="en-US"/>
               <a:t>Click to edit Master text styles</a:t>
             </a:r>
-            <a:endParaRPr lang="en-US" smtClean="0"/>
           </a:p>
           <a:p>
             <a:pPr lvl="1"/>
             <a:r>
-              <a:rPr lang="en-US" smtClean="0"/>
+              <a:rPr lang="en-US"/>
               <a:t>Second level</a:t>
             </a:r>
-            <a:endParaRPr lang="en-US" smtClean="0"/>
           </a:p>
           <a:p>
             <a:pPr lvl="2"/>
             <a:r>
-              <a:rPr lang="en-US" smtClean="0"/>
+              <a:rPr lang="en-US"/>
               <a:t>Third level</a:t>
             </a:r>
-            <a:endParaRPr lang="en-US" smtClean="0"/>
           </a:p>
           <a:p>
             <a:pPr lvl="3"/>
             <a:r>
-              <a:rPr lang="en-US" smtClean="0"/>
+              <a:rPr lang="en-US"/>
               <a:t>Fourth level</a:t>
             </a:r>
-            <a:endParaRPr lang="en-US" smtClean="0"/>
           </a:p>
           <a:p>
             <a:pPr lvl="4"/>
             <a:r>
-              <a:rPr lang="en-US" smtClean="0"/>
+              <a:rPr lang="en-US"/>
               <a:t>Fifth level</a:t>
             </a:r>
-            <a:endParaRPr lang="en-US"/>
           </a:p>
         </p:txBody>
       </p:sp>
@@ -383,6 +387,7 @@
           <a:p>
             <a:fld id="{21B2AA4F-B828-4D7C-AFD3-893933DAFCB4}" type="slidenum">
               <a:rPr lang="en-US" smtClean="0"/>
+              <a:t>‹#›</a:t>
             </a:fld>
             <a:endParaRPr lang="en-US"/>
           </a:p>
@@ -535,7 +540,9 @@
               </a:defRPr>
             </a:lvl1pPr>
           </a:lstStyle>
-          <a:p/>
+          <a:p>
+            <a:endParaRPr/>
+          </a:p>
         </p:txBody>
       </p:sp>
       <p:sp>
@@ -566,7 +573,9 @@
               <a:defRPr/>
             </a:lvl1pPr>
           </a:lstStyle>
-          <a:p/>
+          <a:p>
+            <a:endParaRPr/>
+          </a:p>
         </p:txBody>
       </p:sp>
       <p:sp>
@@ -593,7 +602,9 @@
               </a:defRPr>
             </a:lvl1pPr>
           </a:lstStyle>
-          <a:p/>
+          <a:p>
+            <a:endParaRPr/>
+          </a:p>
         </p:txBody>
       </p:sp>
       <p:sp>
@@ -623,6 +634,7 @@
           <a:p>
             <a:fld id="{1D8BD707-D9CF-40AE-B4C6-C98DA3205C09}" type="datetimeFigureOut">
               <a:rPr lang="en-US"/>
+              <a:t>9/2/2025</a:t>
             </a:fld>
             <a:endParaRPr lang="en-US"/>
           </a:p>
@@ -655,6 +667,7 @@
           <a:p>
             <a:fld id="{B6F15528-21DE-4FAA-801E-634DDDAF4B2B}" type="slidenum">
               <a:rPr/>
+              <a:t>‹#›</a:t>
             </a:fld>
             <a:endParaRPr/>
           </a:p>
@@ -710,7 +723,9 @@
               </a:defRPr>
             </a:lvl1pPr>
           </a:lstStyle>
-          <a:p/>
+          <a:p>
+            <a:endParaRPr/>
+          </a:p>
         </p:txBody>
       </p:sp>
       <p:sp>
@@ -735,7 +750,9 @@
               </a:defRPr>
             </a:lvl1pPr>
           </a:lstStyle>
-          <a:p/>
+          <a:p>
+            <a:endParaRPr/>
+          </a:p>
         </p:txBody>
       </p:sp>
       <p:sp>
@@ -762,7 +779,9 @@
               </a:defRPr>
             </a:lvl1pPr>
           </a:lstStyle>
-          <a:p/>
+          <a:p>
+            <a:endParaRPr/>
+          </a:p>
         </p:txBody>
       </p:sp>
       <p:sp>
@@ -792,6 +811,7 @@
           <a:p>
             <a:fld id="{1D8BD707-D9CF-40AE-B4C6-C98DA3205C09}" type="datetimeFigureOut">
               <a:rPr lang="en-US"/>
+              <a:t>9/2/2025</a:t>
             </a:fld>
             <a:endParaRPr lang="en-US"/>
           </a:p>
@@ -824,6 +844,7 @@
           <a:p>
             <a:fld id="{B6F15528-21DE-4FAA-801E-634DDDAF4B2B}" type="slidenum">
               <a:rPr/>
+              <a:t>‹#›</a:t>
             </a:fld>
             <a:endParaRPr/>
           </a:p>
@@ -879,7 +900,9 @@
               </a:defRPr>
             </a:lvl1pPr>
           </a:lstStyle>
-          <a:p/>
+          <a:p>
+            <a:endParaRPr/>
+          </a:p>
         </p:txBody>
       </p:sp>
       <p:sp>
@@ -910,7 +933,9 @@
               <a:defRPr/>
             </a:lvl1pPr>
           </a:lstStyle>
-          <a:p/>
+          <a:p>
+            <a:endParaRPr/>
+          </a:p>
         </p:txBody>
       </p:sp>
       <p:sp>
@@ -941,7 +966,9 @@
               <a:defRPr/>
             </a:lvl1pPr>
           </a:lstStyle>
-          <a:p/>
+          <a:p>
+            <a:endParaRPr/>
+          </a:p>
         </p:txBody>
       </p:sp>
       <p:sp>
@@ -968,7 +995,9 @@
               </a:defRPr>
             </a:lvl1pPr>
           </a:lstStyle>
-          <a:p/>
+          <a:p>
+            <a:endParaRPr/>
+          </a:p>
         </p:txBody>
       </p:sp>
       <p:sp>
@@ -998,6 +1027,7 @@
           <a:p>
             <a:fld id="{1D8BD707-D9CF-40AE-B4C6-C98DA3205C09}" type="datetimeFigureOut">
               <a:rPr lang="en-US"/>
+              <a:t>9/2/2025</a:t>
             </a:fld>
             <a:endParaRPr lang="en-US"/>
           </a:p>
@@ -1030,6 +1060,7 @@
           <a:p>
             <a:fld id="{B6F15528-21DE-4FAA-801E-634DDDAF4B2B}" type="slidenum">
               <a:rPr/>
+              <a:t>‹#›</a:t>
             </a:fld>
             <a:endParaRPr/>
           </a:p>
@@ -1045,7 +1076,7 @@
 </file>
 
 <file path=ppt/slideLayouts/slideLayout4.xml><?xml version="1.0" encoding="utf-8"?>
-<p:sldLayout xmlns:a="http://schemas.openxmlformats.org/drawingml/2006/main" xmlns:r="http://schemas.openxmlformats.org/officeDocument/2006/relationships" xmlns:p="http://schemas.openxmlformats.org/presentationml/2006/main" type="obj" preserve="1" showMasterSp="0">
+<p:sldLayout xmlns:a="http://schemas.openxmlformats.org/drawingml/2006/main" xmlns:r="http://schemas.openxmlformats.org/officeDocument/2006/relationships" xmlns:p="http://schemas.openxmlformats.org/presentationml/2006/main" showMasterSp="0" type="obj" preserve="1">
   <p:cSld name="Title Only">
     <p:bg>
       <p:bgPr>
@@ -1115,7 +1146,9 @@
               </a:defRPr>
             </a:lvl1pPr>
           </a:lstStyle>
-          <a:p/>
+          <a:p>
+            <a:endParaRPr/>
+          </a:p>
         </p:txBody>
       </p:sp>
       <p:sp>
@@ -1142,7 +1175,9 @@
               </a:defRPr>
             </a:lvl1pPr>
           </a:lstStyle>
-          <a:p/>
+          <a:p>
+            <a:endParaRPr/>
+          </a:p>
         </p:txBody>
       </p:sp>
       <p:sp>
@@ -1172,6 +1207,7 @@
           <a:p>
             <a:fld id="{1D8BD707-D9CF-40AE-B4C6-C98DA3205C09}" type="datetimeFigureOut">
               <a:rPr lang="en-US"/>
+              <a:t>9/2/2025</a:t>
             </a:fld>
             <a:endParaRPr lang="en-US"/>
           </a:p>
@@ -1204,6 +1240,7 @@
           <a:p>
             <a:fld id="{B6F15528-21DE-4FAA-801E-634DDDAF4B2B}" type="slidenum">
               <a:rPr/>
+              <a:t>‹#›</a:t>
             </a:fld>
             <a:endParaRPr/>
           </a:p>
@@ -1259,7 +1296,9 @@
               </a:defRPr>
             </a:lvl1pPr>
           </a:lstStyle>
-          <a:p/>
+          <a:p>
+            <a:endParaRPr/>
+          </a:p>
         </p:txBody>
       </p:sp>
       <p:sp>
@@ -1289,6 +1328,7 @@
           <a:p>
             <a:fld id="{1D8BD707-D9CF-40AE-B4C6-C98DA3205C09}" type="datetimeFigureOut">
               <a:rPr lang="en-US"/>
+              <a:t>9/2/2025</a:t>
             </a:fld>
             <a:endParaRPr lang="en-US"/>
           </a:p>
@@ -1321,6 +1361,7 @@
           <a:p>
             <a:fld id="{B6F15528-21DE-4FAA-801E-634DDDAF4B2B}" type="slidenum">
               <a:rPr/>
+              <a:t>‹#›</a:t>
             </a:fld>
             <a:endParaRPr/>
           </a:p>
@@ -1394,7 +1435,9 @@
               </a:defRPr>
             </a:lvl1pPr>
           </a:lstStyle>
-          <a:p/>
+          <a:p>
+            <a:endParaRPr/>
+          </a:p>
         </p:txBody>
       </p:sp>
       <p:sp>
@@ -1429,7 +1472,9 @@
               </a:defRPr>
             </a:lvl1pPr>
           </a:lstStyle>
-          <a:p/>
+          <a:p>
+            <a:endParaRPr/>
+          </a:p>
         </p:txBody>
       </p:sp>
       <p:sp>
@@ -1466,7 +1511,9 @@
               </a:defRPr>
             </a:lvl1pPr>
           </a:lstStyle>
-          <a:p/>
+          <a:p>
+            <a:endParaRPr/>
+          </a:p>
         </p:txBody>
       </p:sp>
       <p:sp>
@@ -1506,6 +1553,7 @@
           <a:p>
             <a:fld id="{1D8BD707-D9CF-40AE-B4C6-C98DA3205C09}" type="datetimeFigureOut">
               <a:rPr lang="en-US"/>
+              <a:t>9/2/2025</a:t>
             </a:fld>
             <a:endParaRPr lang="en-US"/>
           </a:p>
@@ -1548,6 +1596,7 @@
           <a:p>
             <a:fld id="{B6F15528-21DE-4FAA-801E-634DDDAF4B2B}" type="slidenum">
               <a:rPr/>
+              <a:t>‹#›</a:t>
             </a:fld>
             <a:endParaRPr/>
           </a:p>
@@ -1732,7 +1781,7 @@
           <p:nvPr/>
         </p:nvPicPr>
         <p:blipFill>
-          <a:blip r:embed="rId1" cstate="print"/>
+          <a:blip r:embed="rId2" cstate="print"/>
           <a:stretch>
             <a:fillRect/>
           </a:stretch>
@@ -1866,15 +1915,7 @@
                   <a:srgbClr val="171717"/>
                 </a:solidFill>
               </a:rPr>
-              <a:t>t</a:t>
-            </a:r>
-            <a:r>
-              <a:rPr sz="4500" spc="-80" dirty="0">
-                <a:solidFill>
-                  <a:srgbClr val="171717"/>
-                </a:solidFill>
-              </a:rPr>
-              <a:t>h</a:t>
+              <a:t>th</a:t>
             </a:r>
             <a:r>
               <a:rPr sz="4500" spc="-450" dirty="0">
@@ -1981,9 +2022,11 @@
         <p:spPr/>
         <p:txBody>
           <a:bodyPr/>
+          <a:lstStyle/>
           <a:p>
             <a:fld id="{B6F15528-21DE-4FAA-801E-634DDDAF4B2B}" type="slidenum">
               <a:rPr/>
+              <a:t>1</a:t>
             </a:fld>
             <a:endParaRPr/>
           </a:p>
@@ -2055,7 +2098,6 @@
               <a:rPr spc="-110" dirty="0"/>
               <a:t>Tests</a:t>
             </a:r>
-            <a:endParaRPr spc="-110" dirty="0"/>
           </a:p>
         </p:txBody>
       </p:sp>
@@ -2072,9 +2114,11 @@
         <p:spPr/>
         <p:txBody>
           <a:bodyPr/>
+          <a:lstStyle/>
           <a:p>
             <a:fld id="{B6F15528-21DE-4FAA-801E-634DDDAF4B2B}" type="slidenum">
               <a:rPr/>
+              <a:t>10</a:t>
             </a:fld>
             <a:endParaRPr/>
           </a:p>
@@ -2150,7 +2194,9 @@
         <p:txBody>
           <a:bodyPr wrap="square" lIns="0" tIns="0" rIns="0" bIns="0" rtlCol="0"/>
           <a:lstStyle/>
-          <a:p/>
+          <a:p>
+            <a:endParaRPr/>
+          </a:p>
         </p:txBody>
       </p:sp>
       <p:sp>
@@ -2198,7 +2244,9 @@
         <p:txBody>
           <a:bodyPr wrap="square" lIns="0" tIns="0" rIns="0" bIns="0" rtlCol="0"/>
           <a:lstStyle/>
-          <a:p/>
+          <a:p>
+            <a:endParaRPr/>
+          </a:p>
         </p:txBody>
       </p:sp>
       <p:sp>
@@ -2246,7 +2294,9 @@
         <p:txBody>
           <a:bodyPr wrap="square" lIns="0" tIns="0" rIns="0" bIns="0" rtlCol="0"/>
           <a:lstStyle/>
-          <a:p/>
+          <a:p>
+            <a:endParaRPr/>
+          </a:p>
         </p:txBody>
       </p:sp>
       <p:sp>
@@ -2410,11 +2460,6 @@
               </a:rPr>
               <a:t>s</a:t>
             </a:r>
-            <a:endParaRPr spc="-90" dirty="0">
-              <a:solidFill>
-                <a:srgbClr val="404040"/>
-              </a:solidFill>
-            </a:endParaRPr>
           </a:p>
         </p:txBody>
       </p:sp>
@@ -2863,7 +2908,7 @@
           <p:nvPr/>
         </p:nvPicPr>
         <p:blipFill>
-          <a:blip r:embed="rId1" cstate="print"/>
+          <a:blip r:embed="rId2" cstate="print"/>
           <a:stretch>
             <a:fillRect/>
           </a:stretch>
@@ -2885,7 +2930,7 @@
           <p:nvPr/>
         </p:nvPicPr>
         <p:blipFill>
-          <a:blip r:embed="rId2" cstate="print"/>
+          <a:blip r:embed="rId3" cstate="print"/>
           <a:stretch>
             <a:fillRect/>
           </a:stretch>
@@ -2907,7 +2952,7 @@
           <p:nvPr/>
         </p:nvPicPr>
         <p:blipFill>
-          <a:blip r:embed="rId3" cstate="print"/>
+          <a:blip r:embed="rId4" cstate="print"/>
           <a:stretch>
             <a:fillRect/>
           </a:stretch>
@@ -2935,9 +2980,11 @@
         <p:spPr/>
         <p:txBody>
           <a:bodyPr/>
+          <a:lstStyle/>
           <a:p>
             <a:fld id="{B6F15528-21DE-4FAA-801E-634DDDAF4B2B}" type="slidenum">
               <a:rPr/>
+              <a:t>11</a:t>
             </a:fld>
             <a:endParaRPr/>
           </a:p>
@@ -3173,9 +3220,11 @@
         <p:spPr/>
         <p:txBody>
           <a:bodyPr/>
+          <a:lstStyle/>
           <a:p>
             <a:fld id="{B6F15528-21DE-4FAA-801E-634DDDAF4B2B}" type="slidenum">
               <a:rPr/>
+              <a:t>12</a:t>
             </a:fld>
             <a:endParaRPr/>
           </a:p>
@@ -3391,9 +3440,11 @@
         <p:spPr/>
         <p:txBody>
           <a:bodyPr/>
+          <a:lstStyle/>
           <a:p>
             <a:fld id="{B6F15528-21DE-4FAA-801E-634DDDAF4B2B}" type="slidenum">
               <a:rPr/>
+              <a:t>13</a:t>
             </a:fld>
             <a:endParaRPr/>
           </a:p>
@@ -3431,7 +3482,7 @@
           <p:nvPr/>
         </p:nvPicPr>
         <p:blipFill>
-          <a:blip r:embed="rId1" cstate="print"/>
+          <a:blip r:embed="rId2" cstate="print"/>
           <a:stretch>
             <a:fillRect/>
           </a:stretch>
@@ -3631,9 +3682,11 @@
         <p:spPr/>
         <p:txBody>
           <a:bodyPr/>
+          <a:lstStyle/>
           <a:p>
             <a:fld id="{B6F15528-21DE-4FAA-801E-634DDDAF4B2B}" type="slidenum">
               <a:rPr/>
+              <a:t>14</a:t>
             </a:fld>
             <a:endParaRPr/>
           </a:p>
@@ -3671,7 +3724,7 @@
           <p:nvPr/>
         </p:nvPicPr>
         <p:blipFill>
-          <a:blip r:embed="rId1" cstate="print"/>
+          <a:blip r:embed="rId2" cstate="print"/>
           <a:stretch>
             <a:fillRect/>
           </a:stretch>
@@ -4030,9 +4083,11 @@
         <p:spPr/>
         <p:txBody>
           <a:bodyPr/>
+          <a:lstStyle/>
           <a:p>
             <a:fld id="{B6F15528-21DE-4FAA-801E-634DDDAF4B2B}" type="slidenum">
               <a:rPr/>
+              <a:t>15</a:t>
             </a:fld>
             <a:endParaRPr/>
           </a:p>
@@ -4104,7 +4159,6 @@
               <a:rPr spc="30" dirty="0"/>
               <a:t>Completion</a:t>
             </a:r>
-            <a:endParaRPr spc="30" dirty="0"/>
           </a:p>
         </p:txBody>
       </p:sp>
@@ -4121,9 +4175,11 @@
         <p:spPr/>
         <p:txBody>
           <a:bodyPr/>
+          <a:lstStyle/>
           <a:p>
             <a:fld id="{B6F15528-21DE-4FAA-801E-634DDDAF4B2B}" type="slidenum">
               <a:rPr/>
+              <a:t>16</a:t>
             </a:fld>
             <a:endParaRPr/>
           </a:p>
@@ -4161,7 +4217,7 @@
           <p:nvPr/>
         </p:nvPicPr>
         <p:blipFill>
-          <a:blip r:embed="rId1" cstate="print"/>
+          <a:blip r:embed="rId2" cstate="print"/>
           <a:stretch>
             <a:fillRect/>
           </a:stretch>
@@ -4297,14 +4353,14 @@
         <p:spPr>
           <a:xfrm>
             <a:off x="5226048" y="2227579"/>
-            <a:ext cx="2394585" cy="3429635"/>
+            <a:ext cx="2394585" cy="2790508"/>
           </a:xfrm>
           <a:prstGeom prst="rect">
             <a:avLst/>
           </a:prstGeom>
         </p:spPr>
         <p:txBody>
-          <a:bodyPr vert="horz" wrap="square" lIns="0" tIns="12700" rIns="0" bIns="0" rtlCol="0">
+          <a:bodyPr vert="horz" wrap="square" lIns="0" tIns="12700" rIns="0" bIns="0" rtlCol="0" anchor="t">
             <a:spAutoFit/>
           </a:bodyPr>
           <a:lstStyle/>
@@ -4446,30 +4502,7 @@
                 <a:srgbClr val="F05A28"/>
               </a:solidFill>
               <a:latin typeface="Verdana" panose="020B0604030504040204"/>
-              <a:cs typeface="Verdana" panose="020B0604030504040204"/>
-            </a:endParaRPr>
-          </a:p>
-          <a:p>
-            <a:pPr marL="12700" marR="5080">
-              <a:lnSpc>
-                <a:spcPts val="4700"/>
-              </a:lnSpc>
-              <a:spcBef>
-                <a:spcPts val="365"/>
-              </a:spcBef>
-            </a:pPr>
-            <a:r>
-              <a:rPr lang="en-US" sz="2400" spc="45" dirty="0">
-                <a:solidFill>
-                  <a:srgbClr val="F05A28"/>
-                </a:solidFill>
-                <a:latin typeface="Verdana" panose="020B0604030504040204"/>
-                <a:cs typeface="Verdana" panose="020B0604030504040204"/>
-              </a:rPr>
-              <a:t>Dev Tools</a:t>
-            </a:r>
-            <a:endParaRPr sz="2400">
-              <a:latin typeface="Verdana" panose="020B0604030504040204"/>
+              <a:ea typeface="Verdana"/>
               <a:cs typeface="Verdana" panose="020B0604030504040204"/>
             </a:endParaRPr>
           </a:p>
@@ -4558,9 +4591,11 @@
         <p:spPr/>
         <p:txBody>
           <a:bodyPr/>
+          <a:lstStyle/>
           <a:p>
             <a:fld id="{B6F15528-21DE-4FAA-801E-634DDDAF4B2B}" type="slidenum">
               <a:rPr/>
+              <a:t>17</a:t>
             </a:fld>
             <a:endParaRPr/>
           </a:p>
@@ -4598,7 +4633,7 @@
           <p:nvPr/>
         </p:nvPicPr>
         <p:blipFill>
-          <a:blip r:embed="rId1" cstate="print"/>
+          <a:blip r:embed="rId2" cstate="print"/>
           <a:stretch>
             <a:fillRect/>
           </a:stretch>
@@ -5244,9 +5279,11 @@
         <p:spPr/>
         <p:txBody>
           <a:bodyPr/>
+          <a:lstStyle/>
           <a:p>
             <a:fld id="{B6F15528-21DE-4FAA-801E-634DDDAF4B2B}" type="slidenum">
               <a:rPr/>
+              <a:t>2</a:t>
             </a:fld>
             <a:endParaRPr/>
           </a:p>
@@ -5314,7 +5351,6 @@
               <a:rPr spc="-65" dirty="0"/>
               <a:t>Testing</a:t>
             </a:r>
-            <a:endParaRPr spc="-65" dirty="0"/>
           </a:p>
         </p:txBody>
       </p:sp>
@@ -5331,9 +5367,11 @@
         <p:spPr/>
         <p:txBody>
           <a:bodyPr/>
+          <a:lstStyle/>
           <a:p>
             <a:fld id="{B6F15528-21DE-4FAA-801E-634DDDAF4B2B}" type="slidenum">
               <a:rPr/>
+              <a:t>3</a:t>
             </a:fld>
             <a:endParaRPr/>
           </a:p>
@@ -5409,31 +5447,11 @@
         <p:txBody>
           <a:bodyPr wrap="square" lIns="0" tIns="0" rIns="0" bIns="0" rtlCol="0"/>
           <a:lstStyle/>
-          <a:p/>
-        </p:txBody>
-      </p:sp>
-      <p:pic>
-        <p:nvPicPr>
-          <p:cNvPr id="3" name="object 3"/>
-          <p:cNvPicPr/>
-          <p:nvPr/>
-        </p:nvPicPr>
-        <p:blipFill>
-          <a:blip r:embed="rId1" cstate="print"/>
-          <a:stretch>
-            <a:fillRect/>
-          </a:stretch>
-        </p:blipFill>
-        <p:spPr>
-          <a:xfrm>
-            <a:off x="11494007" y="6184391"/>
-            <a:ext cx="454151" cy="451104"/>
-          </a:xfrm>
-          <a:prstGeom prst="rect">
-            <a:avLst/>
-          </a:prstGeom>
-        </p:spPr>
-      </p:pic>
+          <a:p>
+            <a:endParaRPr/>
+          </a:p>
+        </p:txBody>
+      </p:sp>
       <p:sp>
         <p:nvSpPr>
           <p:cNvPr id="4" name="object 4"/>
@@ -5717,11 +5735,6 @@
               </a:rPr>
               <a:t>Dependencies</a:t>
             </a:r>
-            <a:endParaRPr spc="-5" dirty="0">
-              <a:solidFill>
-                <a:srgbClr val="404040"/>
-              </a:solidFill>
-            </a:endParaRPr>
           </a:p>
         </p:txBody>
       </p:sp>
@@ -5738,9 +5751,11 @@
         <p:spPr/>
         <p:txBody>
           <a:bodyPr/>
+          <a:lstStyle/>
           <a:p>
             <a:fld id="{B6F15528-21DE-4FAA-801E-634DDDAF4B2B}" type="slidenum">
               <a:rPr/>
+              <a:t>4</a:t>
             </a:fld>
             <a:endParaRPr/>
           </a:p>
@@ -5816,7 +5831,6 @@
               <a:rPr spc="-110" dirty="0"/>
               <a:t>Tests</a:t>
             </a:r>
-            <a:endParaRPr spc="-110" dirty="0"/>
           </a:p>
         </p:txBody>
       </p:sp>
@@ -5833,9 +5847,11 @@
         <p:spPr/>
         <p:txBody>
           <a:bodyPr/>
+          <a:lstStyle/>
           <a:p>
             <a:fld id="{B6F15528-21DE-4FAA-801E-634DDDAF4B2B}" type="slidenum">
               <a:rPr/>
+              <a:t>5</a:t>
             </a:fld>
             <a:endParaRPr/>
           </a:p>
@@ -5911,7 +5927,9 @@
         <p:txBody>
           <a:bodyPr wrap="square" lIns="0" tIns="0" rIns="0" bIns="0" rtlCol="0"/>
           <a:lstStyle/>
-          <a:p/>
+          <a:p>
+            <a:endParaRPr/>
+          </a:p>
         </p:txBody>
       </p:sp>
       <p:sp>
@@ -5959,7 +5977,9 @@
         <p:txBody>
           <a:bodyPr wrap="square" lIns="0" tIns="0" rIns="0" bIns="0" rtlCol="0"/>
           <a:lstStyle/>
-          <a:p/>
+          <a:p>
+            <a:endParaRPr/>
+          </a:p>
         </p:txBody>
       </p:sp>
       <p:sp>
@@ -6007,7 +6027,9 @@
         <p:txBody>
           <a:bodyPr wrap="square" lIns="0" tIns="0" rIns="0" bIns="0" rtlCol="0"/>
           <a:lstStyle/>
-          <a:p/>
+          <a:p>
+            <a:endParaRPr/>
+          </a:p>
         </p:txBody>
       </p:sp>
       <p:sp>
@@ -6067,11 +6089,6 @@
               </a:rPr>
               <a:t>Tests</a:t>
             </a:r>
-            <a:endParaRPr spc="-125" dirty="0">
-              <a:solidFill>
-                <a:srgbClr val="404040"/>
-              </a:solidFill>
-            </a:endParaRPr>
           </a:p>
         </p:txBody>
       </p:sp>
@@ -6440,7 +6457,7 @@
           <p:nvPr/>
         </p:nvPicPr>
         <p:blipFill>
-          <a:blip r:embed="rId1" cstate="print"/>
+          <a:blip r:embed="rId2" cstate="print"/>
           <a:stretch>
             <a:fillRect/>
           </a:stretch>
@@ -6462,7 +6479,7 @@
           <p:nvPr/>
         </p:nvPicPr>
         <p:blipFill>
-          <a:blip r:embed="rId2" cstate="print"/>
+          <a:blip r:embed="rId3" cstate="print"/>
           <a:stretch>
             <a:fillRect/>
           </a:stretch>
@@ -6484,7 +6501,7 @@
           <p:nvPr/>
         </p:nvPicPr>
         <p:blipFill>
-          <a:blip r:embed="rId3" cstate="print"/>
+          <a:blip r:embed="rId4" cstate="print"/>
           <a:stretch>
             <a:fillRect/>
           </a:stretch>
@@ -6512,9 +6529,11 @@
         <p:spPr/>
         <p:txBody>
           <a:bodyPr/>
+          <a:lstStyle/>
           <a:p>
             <a:fld id="{B6F15528-21DE-4FAA-801E-634DDDAF4B2B}" type="slidenum">
               <a:rPr/>
+              <a:t>6</a:t>
             </a:fld>
             <a:endParaRPr/>
           </a:p>
@@ -6890,9 +6909,11 @@
         <p:spPr/>
         <p:txBody>
           <a:bodyPr/>
+          <a:lstStyle/>
           <a:p>
             <a:fld id="{B6F15528-21DE-4FAA-801E-634DDDAF4B2B}" type="slidenum">
               <a:rPr/>
+              <a:t>7</a:t>
             </a:fld>
             <a:endParaRPr/>
           </a:p>
@@ -6968,7 +6989,9 @@
         <p:txBody>
           <a:bodyPr wrap="square" lIns="0" tIns="0" rIns="0" bIns="0" rtlCol="0"/>
           <a:lstStyle/>
-          <a:p/>
+          <a:p>
+            <a:endParaRPr/>
+          </a:p>
         </p:txBody>
       </p:sp>
       <p:sp>
@@ -7016,7 +7039,9 @@
         <p:txBody>
           <a:bodyPr wrap="square" lIns="0" tIns="0" rIns="0" bIns="0" rtlCol="0"/>
           <a:lstStyle/>
-          <a:p/>
+          <a:p>
+            <a:endParaRPr/>
+          </a:p>
         </p:txBody>
       </p:sp>
       <p:sp>
@@ -7064,7 +7089,9 @@
         <p:txBody>
           <a:bodyPr wrap="square" lIns="0" tIns="0" rIns="0" bIns="0" rtlCol="0"/>
           <a:lstStyle/>
-          <a:p/>
+          <a:p>
+            <a:endParaRPr/>
+          </a:p>
         </p:txBody>
       </p:sp>
       <p:sp>
@@ -7112,7 +7139,9 @@
         <p:txBody>
           <a:bodyPr wrap="square" lIns="0" tIns="0" rIns="0" bIns="0" rtlCol="0"/>
           <a:lstStyle/>
-          <a:p/>
+          <a:p>
+            <a:endParaRPr/>
+          </a:p>
         </p:txBody>
       </p:sp>
       <p:sp>
@@ -7262,11 +7291,6 @@
               </a:rPr>
               <a:t>@WebMvcTest</a:t>
             </a:r>
-            <a:endParaRPr spc="-25" dirty="0">
-              <a:solidFill>
-                <a:srgbClr val="404040"/>
-              </a:solidFill>
-            </a:endParaRPr>
           </a:p>
         </p:txBody>
       </p:sp>
@@ -7775,7 +7799,7 @@
           <p:nvPr/>
         </p:nvPicPr>
         <p:blipFill>
-          <a:blip r:embed="rId1" cstate="print"/>
+          <a:blip r:embed="rId2" cstate="print"/>
           <a:stretch>
             <a:fillRect/>
           </a:stretch>
@@ -7797,7 +7821,7 @@
           <p:nvPr/>
         </p:nvPicPr>
         <p:blipFill>
-          <a:blip r:embed="rId2" cstate="print"/>
+          <a:blip r:embed="rId3" cstate="print"/>
           <a:stretch>
             <a:fillRect/>
           </a:stretch>
@@ -7819,7 +7843,7 @@
           <p:nvPr/>
         </p:nvPicPr>
         <p:blipFill>
-          <a:blip r:embed="rId3" cstate="print"/>
+          <a:blip r:embed="rId4" cstate="print"/>
           <a:stretch>
             <a:fillRect/>
           </a:stretch>
@@ -7841,7 +7865,7 @@
           <p:nvPr/>
         </p:nvPicPr>
         <p:blipFill>
-          <a:blip r:embed="rId4" cstate="print"/>
+          <a:blip r:embed="rId5" cstate="print"/>
           <a:stretch>
             <a:fillRect/>
           </a:stretch>
@@ -7869,9 +7893,11 @@
         <p:spPr/>
         <p:txBody>
           <a:bodyPr/>
+          <a:lstStyle/>
           <a:p>
             <a:fld id="{B6F15528-21DE-4FAA-801E-634DDDAF4B2B}" type="slidenum">
               <a:rPr/>
+              <a:t>8</a:t>
             </a:fld>
             <a:endParaRPr/>
           </a:p>
@@ -7909,7 +7935,7 @@
           <p:nvPr/>
         </p:nvPicPr>
         <p:blipFill>
-          <a:blip r:embed="rId1" cstate="print"/>
+          <a:blip r:embed="rId2" cstate="print"/>
           <a:stretch>
             <a:fillRect/>
           </a:stretch>
@@ -8109,9 +8135,11 @@
         <p:spPr/>
         <p:txBody>
           <a:bodyPr/>
+          <a:lstStyle/>
           <a:p>
             <a:fld id="{B6F15528-21DE-4FAA-801E-634DDDAF4B2B}" type="slidenum">
               <a:rPr/>
+              <a:t>9</a:t>
             </a:fld>
             <a:endParaRPr/>
           </a:p>
@@ -8403,6 +8431,8 @@
       </a:bgFillStyleLst>
     </a:fmtScheme>
   </a:themeElements>
+  <a:objectDefaults/>
+  <a:extraClrSchemeLst/>
   <a:extLst>
     <a:ext uri="{05A4C25C-085E-4340-85A3-A5531E510DB2}">
       <thm15:themeFamily xmlns:thm15="http://schemas.microsoft.com/office/thememl/2012/main" name="Office Theme" id="{62F939B6-93AF-4DB8-9C6B-D6C7DFDC589F}" vid="{4A3C46E8-61CC-4603-A589-7422A47A8E4A}"/>
@@ -8662,6 +8692,8 @@
       </a:bgFillStyleLst>
     </a:fmtScheme>
   </a:themeElements>
+  <a:objectDefaults/>
+  <a:extraClrSchemeLst/>
   <a:extLst>
     <a:ext uri="{05A4C25C-085E-4340-85A3-A5531E510DB2}">
       <thm15:themeFamily xmlns:thm15="http://schemas.microsoft.com/office/thememl/2012/main" name="Office Theme" id="{62F939B6-93AF-4DB8-9C6B-D6C7DFDC589F}" vid="{4A3C46E8-61CC-4603-A589-7422A47A8E4A}"/>
